--- a/presentation/P-16.pptx
+++ b/presentation/P-16.pptx
@@ -187,9 +187,9 @@
 <file path=ppt/revisionInfo.xml><?xml version="1.0" encoding="utf-8"?>
 <p1510:revInfo xmlns:a="http://schemas.openxmlformats.org/drawingml/2006/main" xmlns:r="http://schemas.openxmlformats.org/officeDocument/2006/relationships" xmlns:p1510="http://schemas.microsoft.com/office/powerpoint/2015/10/main">
   <p1510:revLst>
-    <p1510:client id="{D15310D0-0373-4477-8653-357C1BD30D1F}" v="4391" dt="2019-04-07T19:50:02.520"/>
+    <p1510:client id="{D15310D0-0373-4477-8653-357C1BD30D1F}" v="4409" dt="2019-04-07T20:50:36.097"/>
+    <p1510:client id="{C6830387-3965-0CDA-1D9C-225EE2DAEC43}" v="760" dt="2019-04-07T17:38:14.513"/>
     <p1510:client id="{CB7C2C44-FA1B-3991-7DA8-23FD15DC4140}" v="202" dt="2019-04-07T19:18:51.742"/>
-    <p1510:client id="{C6830387-3965-0CDA-1D9C-225EE2DAEC43}" v="760" dt="2019-04-07T17:38:14.513"/>
   </p1510:revLst>
 </p1510:revInfo>
 </file>
@@ -5878,37 +5878,19 @@
                 <a:latin typeface="Segoe UI Light"/>
                 <a:cs typeface="Segoe UI Light"/>
               </a:rPr>
-              <a:t>Removing non-alphabets </a:t>
+              <a:t>Frequency of words in a document </a:t>
             </a:r>
           </a:p>
           <a:p>
             <a:pPr>
-              <a:lnSpc>
-                <a:spcPct val="100000"/>
-              </a:lnSpc>
               <a:buNone/>
             </a:pPr>
             <a:r>
               <a:rPr lang="en-US" sz="2400" dirty="0">
                 <a:latin typeface="Segoe UI Light"/>
-                <a:cs typeface="Segoe UI"/>
+                <a:cs typeface="Segoe UI Light"/>
               </a:rPr>
-              <a:t>Removing stop words</a:t>
-            </a:r>
-          </a:p>
-          <a:p>
-            <a:pPr>
-              <a:lnSpc>
-                <a:spcPct val="100000"/>
-              </a:lnSpc>
-              <a:buNone/>
-            </a:pPr>
-            <a:r>
-              <a:rPr lang="en-US" sz="2400" dirty="0">
-                <a:latin typeface="Segoe UI Light"/>
-                <a:cs typeface="Segoe UI"/>
-              </a:rPr>
-              <a:t>Stemming words</a:t>
+              <a:t>Reduced Sparsity</a:t>
             </a:r>
           </a:p>
         </p:txBody>
@@ -5968,7 +5950,7 @@
         </p:nvSpPr>
         <p:spPr bwMode="blackWhite">
           <a:xfrm>
-            <a:off x="589320" y="2496992"/>
+            <a:off x="589320" y="2781472"/>
             <a:ext cx="409838" cy="409838"/>
           </a:xfrm>
           <a:prstGeom prst="ellipse">
@@ -16134,23 +16116,12 @@
               <a:buNone/>
             </a:pPr>
             <a:r>
-              <a:rPr lang="en-US" sz="2400">
-                <a:latin typeface="Segoe UI Light"/>
-                <a:cs typeface="Segoe UI Light"/>
-              </a:rPr>
-              <a:t>Reduced </a:t>
-            </a:r>
-            <a:r>
               <a:rPr lang="en-US" sz="2400" dirty="0">
                 <a:latin typeface="Segoe UI Light"/>
                 <a:cs typeface="Segoe UI Light"/>
               </a:rPr>
-              <a:t>Sparsity</a:t>
-            </a:r>
-            <a:endParaRPr lang="en-US" sz="2400" dirty="0" err="1">
-              <a:latin typeface="Segoe UI Light"/>
-              <a:cs typeface="Segoe UI Light"/>
-            </a:endParaRPr>
+              <a:t>Reduced Sparsity</a:t>
+            </a:r>
           </a:p>
         </p:txBody>
       </p:sp>

--- a/presentation/P-16.pptx
+++ b/presentation/P-16.pptx
@@ -184,16 +184,6 @@
 </p:presentation>
 </file>
 
-<file path=ppt/revisionInfo.xml><?xml version="1.0" encoding="utf-8"?>
-<p1510:revInfo xmlns:a="http://schemas.openxmlformats.org/drawingml/2006/main" xmlns:r="http://schemas.openxmlformats.org/officeDocument/2006/relationships" xmlns:p1510="http://schemas.microsoft.com/office/powerpoint/2015/10/main">
-  <p1510:revLst>
-    <p1510:client id="{D15310D0-0373-4477-8653-357C1BD30D1F}" v="4409" dt="2019-04-07T20:50:36.097"/>
-    <p1510:client id="{C6830387-3965-0CDA-1D9C-225EE2DAEC43}" v="760" dt="2019-04-07T17:38:14.513"/>
-    <p1510:client id="{CB7C2C44-FA1B-3991-7DA8-23FD15DC4140}" v="202" dt="2019-04-07T19:18:51.742"/>
-  </p1510:revLst>
-</p1510:revInfo>
-</file>
-
 <file path=ppt/notesMasters/notesMaster1.xml><?xml version="1.0" encoding="utf-8"?>
 <p:notesMaster xmlns:a="http://schemas.openxmlformats.org/drawingml/2006/main" xmlns:r="http://schemas.openxmlformats.org/officeDocument/2006/relationships" xmlns:p="http://schemas.openxmlformats.org/presentationml/2006/main">
   <p:cSld>
@@ -623,6 +613,93 @@
     <p:extLst>
       <p:ext uri="{BB962C8B-B14F-4D97-AF65-F5344CB8AC3E}">
         <p14:creationId xmlns:p14="http://schemas.microsoft.com/office/powerpoint/2010/main" val="612610443"/>
+      </p:ext>
+    </p:extLst>
+  </p:cSld>
+  <p:clrMapOvr>
+    <a:masterClrMapping/>
+  </p:clrMapOvr>
+</p:notes>
+</file>
+
+<file path=ppt/notesSlides/notesSlide2.xml><?xml version="1.0" encoding="utf-8"?>
+<p:notes xmlns:a="http://schemas.openxmlformats.org/drawingml/2006/main" xmlns:r="http://schemas.openxmlformats.org/officeDocument/2006/relationships" xmlns:p="http://schemas.openxmlformats.org/presentationml/2006/main">
+  <p:cSld>
+    <p:spTree>
+      <p:nvGrpSpPr>
+        <p:cNvPr id="1" name=""/>
+        <p:cNvGrpSpPr/>
+        <p:nvPr/>
+      </p:nvGrpSpPr>
+      <p:grpSpPr>
+        <a:xfrm>
+          <a:off x="0" y="0"/>
+          <a:ext cx="0" cy="0"/>
+          <a:chOff x="0" y="0"/>
+          <a:chExt cx="0" cy="0"/>
+        </a:xfrm>
+      </p:grpSpPr>
+      <p:sp>
+        <p:nvSpPr>
+          <p:cNvPr id="2" name="Slide Image Placeholder 1"/>
+          <p:cNvSpPr>
+            <a:spLocks noGrp="1" noRot="1" noChangeAspect="1"/>
+          </p:cNvSpPr>
+          <p:nvPr>
+            <p:ph type="sldImg"/>
+          </p:nvPr>
+        </p:nvSpPr>
+        <p:spPr/>
+      </p:sp>
+      <p:sp>
+        <p:nvSpPr>
+          <p:cNvPr id="3" name="Notes Placeholder 2"/>
+          <p:cNvSpPr>
+            <a:spLocks noGrp="1"/>
+          </p:cNvSpPr>
+          <p:nvPr>
+            <p:ph type="body" idx="1"/>
+          </p:nvPr>
+        </p:nvSpPr>
+        <p:spPr/>
+        <p:txBody>
+          <a:bodyPr/>
+          <a:lstStyle/>
+          <a:p>
+            <a:r>
+              <a:rPr lang="en-CA" dirty="0"/>
+              <a:t>Talk f measure, accuracy and recall</a:t>
+            </a:r>
+          </a:p>
+        </p:txBody>
+      </p:sp>
+      <p:sp>
+        <p:nvSpPr>
+          <p:cNvPr id="4" name="Slide Number Placeholder 3"/>
+          <p:cNvSpPr>
+            <a:spLocks noGrp="1"/>
+          </p:cNvSpPr>
+          <p:nvPr>
+            <p:ph type="sldNum" sz="quarter" idx="5"/>
+          </p:nvPr>
+        </p:nvSpPr>
+        <p:spPr/>
+        <p:txBody>
+          <a:bodyPr/>
+          <a:lstStyle/>
+          <a:p>
+            <a:fld id="{5A01C38D-F26D-4167-83EF-8774BC62D548}" type="slidenum">
+              <a:rPr lang="en-US" smtClean="0"/>
+              <a:t>19</a:t>
+            </a:fld>
+            <a:endParaRPr lang="en-US"/>
+          </a:p>
+        </p:txBody>
+      </p:sp>
+    </p:spTree>
+    <p:extLst>
+      <p:ext uri="{BB962C8B-B14F-4D97-AF65-F5344CB8AC3E}">
+        <p14:creationId xmlns:p14="http://schemas.microsoft.com/office/powerpoint/2010/main" val="1107478088"/>
       </p:ext>
     </p:extLst>
   </p:cSld>
@@ -6583,7 +6660,7 @@
               <a:rPr lang="en-CA" sz="2400" dirty="0">
                 <a:latin typeface="+mj-lt"/>
               </a:rPr>
-              <a:t>Confusion Matrix with 10% training data:</a:t>
+              <a:t>Confusion Matrix with test data:</a:t>
             </a:r>
           </a:p>
           <a:p>
@@ -9508,7 +9585,7 @@
           <p:nvPr>
             <p:extLst>
               <p:ext uri="{D42A27DB-BD31-4B8C-83A1-F6EECF244321}">
-                <p14:modId xmlns:p14="http://schemas.microsoft.com/office/powerpoint/2010/main" val="2116271046"/>
+                <p14:modId xmlns:p14="http://schemas.microsoft.com/office/powerpoint/2010/main" val="2048448515"/>
               </p:ext>
             </p:extLst>
           </p:nvPr>
